--- a/WallStreetBets Analysis Presentation.pptx
+++ b/WallStreetBets Analysis Presentation.pptx
@@ -9337,7 +9337,7 @@
             </a:pPr>
             <a:r>
               <a:rPr lang="en"/>
-              <a:t>This is expected as frome visual inspection it was clear that change in daily stock price directly correlated to daily number of mentions</a:t>
+              <a:t>This is expected as from visual inspection it was clear that change in daily stock price directly correlated to daily number of mentions</a:t>
             </a:r>
             <a:endParaRPr/>
           </a:p>
@@ -9434,7 +9434,7 @@
         <p:spPr>
           <a:xfrm>
             <a:off x="729450" y="2078875"/>
-            <a:ext cx="7688700" cy="2261100"/>
+            <a:ext cx="7688700" cy="3020400"/>
           </a:xfrm>
           <a:prstGeom prst="rect">
             <a:avLst/>
@@ -9442,11 +9442,14 @@
         </p:spPr>
         <p:txBody>
           <a:bodyPr anchorCtr="0" anchor="t" bIns="91425" lIns="91425" spcFirstLastPara="1" rIns="91425" wrap="square" tIns="91425">
-            <a:normAutofit lnSpcReduction="20000"/>
+            <a:normAutofit/>
           </a:bodyPr>
           <a:lstStyle/>
           <a:p>
             <a:pPr indent="-311150" lvl="0" marL="457200" rtl="0" algn="l">
+              <a:lnSpc>
+                <a:spcPct val="200000"/>
+              </a:lnSpc>
               <a:spcBef>
                 <a:spcPts val="0"/>
               </a:spcBef>
@@ -9484,6 +9487,9 @@
           </a:p>
           <a:p>
             <a:pPr indent="-311150" lvl="0" marL="457200" rtl="0" algn="l">
+              <a:lnSpc>
+                <a:spcPct val="200000"/>
+              </a:lnSpc>
               <a:spcBef>
                 <a:spcPts val="0"/>
               </a:spcBef>
@@ -9502,7 +9508,7 @@
           <a:p>
             <a:pPr indent="-311150" lvl="0" marL="914400" rtl="0" algn="l">
               <a:lnSpc>
-                <a:spcPct val="150000"/>
+                <a:spcPct val="200000"/>
               </a:lnSpc>
               <a:spcBef>
                 <a:spcPts val="0"/>
@@ -9521,6 +9527,9 @@
           </a:p>
           <a:p>
             <a:pPr indent="-311150" lvl="0" marL="457200" rtl="0" algn="l">
+              <a:lnSpc>
+                <a:spcPct val="200000"/>
+              </a:lnSpc>
               <a:spcBef>
                 <a:spcPts val="0"/>
               </a:spcBef>
@@ -9532,7 +9541,7 @@
             </a:pPr>
             <a:r>
               <a:rPr lang="en"/>
-              <a:t>Deploy as program as Full Stack web application</a:t>
+              <a:t>Deploy program as Full Stack web application</a:t>
             </a:r>
             <a:endParaRPr/>
           </a:p>
